--- a/assets/tactile_image_files/0066-paleogeography_280Ma/0066-paleogeography_280Ma.pptx
+++ b/assets/tactile_image_files/0066-paleogeography_280Ma/0066-paleogeography_280Ma.pptx
@@ -253,7 +253,7 @@
           <a:p>
             <a:fld id="{E796F801-3BB8-A247-923B-F07F1B58D38A}" type="datetimeFigureOut">
               <a:rPr lang="en-US" smtClean="0"/>
-              <a:t>7/24/20</a:t>
+              <a:t>1/10/21</a:t>
             </a:fld>
             <a:endParaRPr lang="en-US"/>
           </a:p>
@@ -433,7 +433,7 @@
           <a:p>
             <a:fld id="{E796F801-3BB8-A247-923B-F07F1B58D38A}" type="datetimeFigureOut">
               <a:rPr lang="en-US" smtClean="0"/>
-              <a:t>7/24/20</a:t>
+              <a:t>1/10/21</a:t>
             </a:fld>
             <a:endParaRPr lang="en-US"/>
           </a:p>
@@ -603,7 +603,7 @@
           <a:p>
             <a:fld id="{E796F801-3BB8-A247-923B-F07F1B58D38A}" type="datetimeFigureOut">
               <a:rPr lang="en-US" smtClean="0"/>
-              <a:t>7/24/20</a:t>
+              <a:t>1/10/21</a:t>
             </a:fld>
             <a:endParaRPr lang="en-US"/>
           </a:p>
@@ -847,7 +847,7 @@
           <a:p>
             <a:fld id="{E796F801-3BB8-A247-923B-F07F1B58D38A}" type="datetimeFigureOut">
               <a:rPr lang="en-US" smtClean="0"/>
-              <a:t>7/24/20</a:t>
+              <a:t>1/10/21</a:t>
             </a:fld>
             <a:endParaRPr lang="en-US"/>
           </a:p>
@@ -1079,7 +1079,7 @@
           <a:p>
             <a:fld id="{E796F801-3BB8-A247-923B-F07F1B58D38A}" type="datetimeFigureOut">
               <a:rPr lang="en-US" smtClean="0"/>
-              <a:t>7/24/20</a:t>
+              <a:t>1/10/21</a:t>
             </a:fld>
             <a:endParaRPr lang="en-US"/>
           </a:p>
@@ -1446,7 +1446,7 @@
           <a:p>
             <a:fld id="{E796F801-3BB8-A247-923B-F07F1B58D38A}" type="datetimeFigureOut">
               <a:rPr lang="en-US" smtClean="0"/>
-              <a:t>7/24/20</a:t>
+              <a:t>1/10/21</a:t>
             </a:fld>
             <a:endParaRPr lang="en-US"/>
           </a:p>
@@ -1564,7 +1564,7 @@
           <a:p>
             <a:fld id="{E796F801-3BB8-A247-923B-F07F1B58D38A}" type="datetimeFigureOut">
               <a:rPr lang="en-US" smtClean="0"/>
-              <a:t>7/24/20</a:t>
+              <a:t>1/10/21</a:t>
             </a:fld>
             <a:endParaRPr lang="en-US"/>
           </a:p>
@@ -1659,7 +1659,7 @@
           <a:p>
             <a:fld id="{E796F801-3BB8-A247-923B-F07F1B58D38A}" type="datetimeFigureOut">
               <a:rPr lang="en-US" smtClean="0"/>
-              <a:t>7/24/20</a:t>
+              <a:t>1/10/21</a:t>
             </a:fld>
             <a:endParaRPr lang="en-US"/>
           </a:p>
@@ -1936,7 +1936,7 @@
           <a:p>
             <a:fld id="{E796F801-3BB8-A247-923B-F07F1B58D38A}" type="datetimeFigureOut">
               <a:rPr lang="en-US" smtClean="0"/>
-              <a:t>7/24/20</a:t>
+              <a:t>1/10/21</a:t>
             </a:fld>
             <a:endParaRPr lang="en-US"/>
           </a:p>
@@ -2193,7 +2193,7 @@
           <a:p>
             <a:fld id="{E796F801-3BB8-A247-923B-F07F1B58D38A}" type="datetimeFigureOut">
               <a:rPr lang="en-US" smtClean="0"/>
-              <a:t>7/24/20</a:t>
+              <a:t>1/10/21</a:t>
             </a:fld>
             <a:endParaRPr lang="en-US"/>
           </a:p>
@@ -2406,7 +2406,7 @@
           <a:p>
             <a:fld id="{E796F801-3BB8-A247-923B-F07F1B58D38A}" type="datetimeFigureOut">
               <a:rPr lang="en-US" smtClean="0"/>
-              <a:t>7/24/20</a:t>
+              <a:t>1/10/21</a:t>
             </a:fld>
             <a:endParaRPr lang="en-US"/>
           </a:p>
@@ -2844,7 +2844,7 @@
                 <a:latin typeface="Arial" panose="020B0604020202020204" pitchFamily="34" charset="0"/>
                 <a:cs typeface="Arial" panose="020B0604020202020204" pitchFamily="34" charset="0"/>
               </a:rPr>
-              <a:t>Paleogeography – 280 Ma</a:t>
+              <a:t>Paleogeography – 300 Ma</a:t>
             </a:r>
           </a:p>
         </p:txBody>
@@ -2969,10 +2969,10 @@
       </p:sp>
       <p:pic>
         <p:nvPicPr>
-          <p:cNvPr id="19" name="Picture 18">
+          <p:cNvPr id="21" name="Picture 20" descr="A picture containing food, plate&#10;&#10;Description automatically generated">
             <a:extLst>
               <a:ext uri="{FF2B5EF4-FFF2-40B4-BE49-F238E27FC236}">
-                <a16:creationId xmlns:a16="http://schemas.microsoft.com/office/drawing/2014/main" id="{5633E871-D6B0-2F43-B110-B516811C47D7}"/>
+                <a16:creationId xmlns:a16="http://schemas.microsoft.com/office/drawing/2014/main" id="{AC9A4C65-D390-A84C-B0B6-2EF0EE4DF863}"/>
               </a:ext>
             </a:extLst>
           </p:cNvPr>
@@ -2998,13 +2998,13 @@
               </a:ext>
             </a:extLst>
           </a:blip>
-          <a:srcRect t="6982"/>
+          <a:srcRect t="6407"/>
           <a:stretch/>
         </p:blipFill>
         <p:spPr>
           <a:xfrm>
-            <a:off x="125260" y="1290181"/>
-            <a:ext cx="8880954" cy="4672208"/>
+            <a:off x="178322" y="1290181"/>
+            <a:ext cx="8712200" cy="4459265"/>
           </a:xfrm>
           <a:prstGeom prst="rect">
             <a:avLst/>
@@ -3013,10 +3013,10 @@
       </p:pic>
       <p:sp>
         <p:nvSpPr>
-          <p:cNvPr id="20" name="Oval 19">
+          <p:cNvPr id="22" name="Oval 21">
             <a:extLst>
               <a:ext uri="{FF2B5EF4-FFF2-40B4-BE49-F238E27FC236}">
-                <a16:creationId xmlns:a16="http://schemas.microsoft.com/office/drawing/2014/main" id="{C97790FF-1B55-CE4F-B0AE-F36B1D1A548B}"/>
+                <a16:creationId xmlns:a16="http://schemas.microsoft.com/office/drawing/2014/main" id="{E4FC994B-4A2C-8A41-B03A-523820EEFE06}"/>
               </a:ext>
             </a:extLst>
           </p:cNvPr>
@@ -3095,10 +3095,10 @@
       </p:grpSpPr>
       <p:pic>
         <p:nvPicPr>
-          <p:cNvPr id="5" name="Picture 4">
+          <p:cNvPr id="4" name="Picture 3" descr="A picture containing food, plate&#10;&#10;Description automatically generated">
             <a:extLst>
               <a:ext uri="{FF2B5EF4-FFF2-40B4-BE49-F238E27FC236}">
-                <a16:creationId xmlns:a16="http://schemas.microsoft.com/office/drawing/2014/main" id="{2F196024-2AE5-0A42-9C2E-ECD2124E63EE}"/>
+                <a16:creationId xmlns:a16="http://schemas.microsoft.com/office/drawing/2014/main" id="{D7E7AA77-72A2-3445-ADBE-9C2DD03F9CE6}"/>
               </a:ext>
             </a:extLst>
           </p:cNvPr>
@@ -3124,13 +3124,13 @@
               </a:ext>
             </a:extLst>
           </a:blip>
-          <a:srcRect t="6982"/>
+          <a:srcRect t="6407"/>
           <a:stretch/>
         </p:blipFill>
         <p:spPr>
           <a:xfrm>
-            <a:off x="125260" y="1290181"/>
-            <a:ext cx="8880954" cy="4672208"/>
+            <a:off x="178322" y="1290181"/>
+            <a:ext cx="8712200" cy="4459265"/>
           </a:xfrm>
           <a:prstGeom prst="rect">
             <a:avLst/>
@@ -3297,7 +3297,7 @@
               <a:rPr lang="en-US" sz="2400">
                 <a:latin typeface="Swell Braille" pitchFamily="49"/>
               </a:rPr>
-              <a:t>⠠⠏⠁⠇⠑⠕⠛⠑⠕⠛⠗⠁⠏⠓⠽⠀⠤⠀⠼⠃⠓⠚⠀⠠⠍⠁</a:t>
+              <a:t>⠠⠏⠁⠇⠑⠕⠛⠑⠕⠛⠗⠁⠏⠓⠽⠀⠤⠀⠼⠉⠚⠚⠀⠠⠍⠁</a:t>
             </a:r>
           </a:p>
         </p:txBody>
@@ -3334,10 +3334,10 @@
       </p:grpSpPr>
       <p:pic>
         <p:nvPicPr>
-          <p:cNvPr id="5" name="Picture 4">
+          <p:cNvPr id="4" name="Picture 3" descr="A picture containing food, plate&#10;&#10;Description automatically generated">
             <a:extLst>
               <a:ext uri="{FF2B5EF4-FFF2-40B4-BE49-F238E27FC236}">
-                <a16:creationId xmlns:a16="http://schemas.microsoft.com/office/drawing/2014/main" id="{2F196024-2AE5-0A42-9C2E-ECD2124E63EE}"/>
+                <a16:creationId xmlns:a16="http://schemas.microsoft.com/office/drawing/2014/main" id="{D7E7AA77-72A2-3445-ADBE-9C2DD03F9CE6}"/>
               </a:ext>
             </a:extLst>
           </p:cNvPr>
@@ -3363,13 +3363,13 @@
               </a:ext>
             </a:extLst>
           </a:blip>
-          <a:srcRect t="6982"/>
+          <a:srcRect t="6407"/>
           <a:stretch/>
         </p:blipFill>
         <p:spPr>
           <a:xfrm>
-            <a:off x="125260" y="1290181"/>
-            <a:ext cx="8880954" cy="4672208"/>
+            <a:off x="178322" y="1290181"/>
+            <a:ext cx="8712200" cy="4459265"/>
           </a:xfrm>
           <a:prstGeom prst="rect">
             <a:avLst/>
@@ -3508,7 +3508,7 @@
     </p:spTree>
     <p:extLst>
       <p:ext uri="{BB962C8B-B14F-4D97-AF65-F5344CB8AC3E}">
-        <p14:creationId xmlns:p14="http://schemas.microsoft.com/office/powerpoint/2010/main" val="3434356959"/>
+        <p14:creationId xmlns:p14="http://schemas.microsoft.com/office/powerpoint/2010/main" val="3269135443"/>
       </p:ext>
     </p:extLst>
   </p:cSld>

--- a/assets/tactile_image_files/0066-paleogeography_280Ma/0066-paleogeography_280Ma.pptx
+++ b/assets/tactile_image_files/0066-paleogeography_280Ma/0066-paleogeography_280Ma.pptx
@@ -253,7 +253,7 @@
           <a:p>
             <a:fld id="{E796F801-3BB8-A247-923B-F07F1B58D38A}" type="datetimeFigureOut">
               <a:rPr lang="en-US" smtClean="0"/>
-              <a:t>1/10/21</a:t>
+              <a:t>7/24/20</a:t>
             </a:fld>
             <a:endParaRPr lang="en-US"/>
           </a:p>
@@ -433,7 +433,7 @@
           <a:p>
             <a:fld id="{E796F801-3BB8-A247-923B-F07F1B58D38A}" type="datetimeFigureOut">
               <a:rPr lang="en-US" smtClean="0"/>
-              <a:t>1/10/21</a:t>
+              <a:t>7/24/20</a:t>
             </a:fld>
             <a:endParaRPr lang="en-US"/>
           </a:p>
@@ -603,7 +603,7 @@
           <a:p>
             <a:fld id="{E796F801-3BB8-A247-923B-F07F1B58D38A}" type="datetimeFigureOut">
               <a:rPr lang="en-US" smtClean="0"/>
-              <a:t>1/10/21</a:t>
+              <a:t>7/24/20</a:t>
             </a:fld>
             <a:endParaRPr lang="en-US"/>
           </a:p>
@@ -847,7 +847,7 @@
           <a:p>
             <a:fld id="{E796F801-3BB8-A247-923B-F07F1B58D38A}" type="datetimeFigureOut">
               <a:rPr lang="en-US" smtClean="0"/>
-              <a:t>1/10/21</a:t>
+              <a:t>7/24/20</a:t>
             </a:fld>
             <a:endParaRPr lang="en-US"/>
           </a:p>
@@ -1079,7 +1079,7 @@
           <a:p>
             <a:fld id="{E796F801-3BB8-A247-923B-F07F1B58D38A}" type="datetimeFigureOut">
               <a:rPr lang="en-US" smtClean="0"/>
-              <a:t>1/10/21</a:t>
+              <a:t>7/24/20</a:t>
             </a:fld>
             <a:endParaRPr lang="en-US"/>
           </a:p>
@@ -1446,7 +1446,7 @@
           <a:p>
             <a:fld id="{E796F801-3BB8-A247-923B-F07F1B58D38A}" type="datetimeFigureOut">
               <a:rPr lang="en-US" smtClean="0"/>
-              <a:t>1/10/21</a:t>
+              <a:t>7/24/20</a:t>
             </a:fld>
             <a:endParaRPr lang="en-US"/>
           </a:p>
@@ -1564,7 +1564,7 @@
           <a:p>
             <a:fld id="{E796F801-3BB8-A247-923B-F07F1B58D38A}" type="datetimeFigureOut">
               <a:rPr lang="en-US" smtClean="0"/>
-              <a:t>1/10/21</a:t>
+              <a:t>7/24/20</a:t>
             </a:fld>
             <a:endParaRPr lang="en-US"/>
           </a:p>
@@ -1659,7 +1659,7 @@
           <a:p>
             <a:fld id="{E796F801-3BB8-A247-923B-F07F1B58D38A}" type="datetimeFigureOut">
               <a:rPr lang="en-US" smtClean="0"/>
-              <a:t>1/10/21</a:t>
+              <a:t>7/24/20</a:t>
             </a:fld>
             <a:endParaRPr lang="en-US"/>
           </a:p>
@@ -1936,7 +1936,7 @@
           <a:p>
             <a:fld id="{E796F801-3BB8-A247-923B-F07F1B58D38A}" type="datetimeFigureOut">
               <a:rPr lang="en-US" smtClean="0"/>
-              <a:t>1/10/21</a:t>
+              <a:t>7/24/20</a:t>
             </a:fld>
             <a:endParaRPr lang="en-US"/>
           </a:p>
@@ -2193,7 +2193,7 @@
           <a:p>
             <a:fld id="{E796F801-3BB8-A247-923B-F07F1B58D38A}" type="datetimeFigureOut">
               <a:rPr lang="en-US" smtClean="0"/>
-              <a:t>1/10/21</a:t>
+              <a:t>7/24/20</a:t>
             </a:fld>
             <a:endParaRPr lang="en-US"/>
           </a:p>
@@ -2406,7 +2406,7 @@
           <a:p>
             <a:fld id="{E796F801-3BB8-A247-923B-F07F1B58D38A}" type="datetimeFigureOut">
               <a:rPr lang="en-US" smtClean="0"/>
-              <a:t>1/10/21</a:t>
+              <a:t>7/24/20</a:t>
             </a:fld>
             <a:endParaRPr lang="en-US"/>
           </a:p>
@@ -2844,7 +2844,7 @@
                 <a:latin typeface="Arial" panose="020B0604020202020204" pitchFamily="34" charset="0"/>
                 <a:cs typeface="Arial" panose="020B0604020202020204" pitchFamily="34" charset="0"/>
               </a:rPr>
-              <a:t>Paleogeography – 300 Ma</a:t>
+              <a:t>Paleogeography – 280 Ma</a:t>
             </a:r>
           </a:p>
         </p:txBody>
@@ -2969,10 +2969,10 @@
       </p:sp>
       <p:pic>
         <p:nvPicPr>
-          <p:cNvPr id="21" name="Picture 20" descr="A picture containing food, plate&#10;&#10;Description automatically generated">
+          <p:cNvPr id="19" name="Picture 18">
             <a:extLst>
               <a:ext uri="{FF2B5EF4-FFF2-40B4-BE49-F238E27FC236}">
-                <a16:creationId xmlns:a16="http://schemas.microsoft.com/office/drawing/2014/main" id="{AC9A4C65-D390-A84C-B0B6-2EF0EE4DF863}"/>
+                <a16:creationId xmlns:a16="http://schemas.microsoft.com/office/drawing/2014/main" id="{5633E871-D6B0-2F43-B110-B516811C47D7}"/>
               </a:ext>
             </a:extLst>
           </p:cNvPr>
@@ -2998,13 +2998,13 @@
               </a:ext>
             </a:extLst>
           </a:blip>
-          <a:srcRect t="6407"/>
+          <a:srcRect t="6982"/>
           <a:stretch/>
         </p:blipFill>
         <p:spPr>
           <a:xfrm>
-            <a:off x="178322" y="1290181"/>
-            <a:ext cx="8712200" cy="4459265"/>
+            <a:off x="125260" y="1290181"/>
+            <a:ext cx="8880954" cy="4672208"/>
           </a:xfrm>
           <a:prstGeom prst="rect">
             <a:avLst/>
@@ -3013,10 +3013,10 @@
       </p:pic>
       <p:sp>
         <p:nvSpPr>
-          <p:cNvPr id="22" name="Oval 21">
+          <p:cNvPr id="20" name="Oval 19">
             <a:extLst>
               <a:ext uri="{FF2B5EF4-FFF2-40B4-BE49-F238E27FC236}">
-                <a16:creationId xmlns:a16="http://schemas.microsoft.com/office/drawing/2014/main" id="{E4FC994B-4A2C-8A41-B03A-523820EEFE06}"/>
+                <a16:creationId xmlns:a16="http://schemas.microsoft.com/office/drawing/2014/main" id="{C97790FF-1B55-CE4F-B0AE-F36B1D1A548B}"/>
               </a:ext>
             </a:extLst>
           </p:cNvPr>
@@ -3095,10 +3095,10 @@
       </p:grpSpPr>
       <p:pic>
         <p:nvPicPr>
-          <p:cNvPr id="4" name="Picture 3" descr="A picture containing food, plate&#10;&#10;Description automatically generated">
+          <p:cNvPr id="5" name="Picture 4">
             <a:extLst>
               <a:ext uri="{FF2B5EF4-FFF2-40B4-BE49-F238E27FC236}">
-                <a16:creationId xmlns:a16="http://schemas.microsoft.com/office/drawing/2014/main" id="{D7E7AA77-72A2-3445-ADBE-9C2DD03F9CE6}"/>
+                <a16:creationId xmlns:a16="http://schemas.microsoft.com/office/drawing/2014/main" id="{2F196024-2AE5-0A42-9C2E-ECD2124E63EE}"/>
               </a:ext>
             </a:extLst>
           </p:cNvPr>
@@ -3124,13 +3124,13 @@
               </a:ext>
             </a:extLst>
           </a:blip>
-          <a:srcRect t="6407"/>
+          <a:srcRect t="6982"/>
           <a:stretch/>
         </p:blipFill>
         <p:spPr>
           <a:xfrm>
-            <a:off x="178322" y="1290181"/>
-            <a:ext cx="8712200" cy="4459265"/>
+            <a:off x="125260" y="1290181"/>
+            <a:ext cx="8880954" cy="4672208"/>
           </a:xfrm>
           <a:prstGeom prst="rect">
             <a:avLst/>
@@ -3297,7 +3297,7 @@
               <a:rPr lang="en-US" sz="2400">
                 <a:latin typeface="Swell Braille" pitchFamily="49"/>
               </a:rPr>
-              <a:t>⠠⠏⠁⠇⠑⠕⠛⠑⠕⠛⠗⠁⠏⠓⠽⠀⠤⠀⠼⠉⠚⠚⠀⠠⠍⠁</a:t>
+              <a:t>⠠⠏⠁⠇⠑⠕⠛⠑⠕⠛⠗⠁⠏⠓⠽⠀⠤⠀⠼⠃⠓⠚⠀⠠⠍⠁</a:t>
             </a:r>
           </a:p>
         </p:txBody>
@@ -3334,10 +3334,10 @@
       </p:grpSpPr>
       <p:pic>
         <p:nvPicPr>
-          <p:cNvPr id="4" name="Picture 3" descr="A picture containing food, plate&#10;&#10;Description automatically generated">
+          <p:cNvPr id="5" name="Picture 4">
             <a:extLst>
               <a:ext uri="{FF2B5EF4-FFF2-40B4-BE49-F238E27FC236}">
-                <a16:creationId xmlns:a16="http://schemas.microsoft.com/office/drawing/2014/main" id="{D7E7AA77-72A2-3445-ADBE-9C2DD03F9CE6}"/>
+                <a16:creationId xmlns:a16="http://schemas.microsoft.com/office/drawing/2014/main" id="{2F196024-2AE5-0A42-9C2E-ECD2124E63EE}"/>
               </a:ext>
             </a:extLst>
           </p:cNvPr>
@@ -3363,13 +3363,13 @@
               </a:ext>
             </a:extLst>
           </a:blip>
-          <a:srcRect t="6407"/>
+          <a:srcRect t="6982"/>
           <a:stretch/>
         </p:blipFill>
         <p:spPr>
           <a:xfrm>
-            <a:off x="178322" y="1290181"/>
-            <a:ext cx="8712200" cy="4459265"/>
+            <a:off x="125260" y="1290181"/>
+            <a:ext cx="8880954" cy="4672208"/>
           </a:xfrm>
           <a:prstGeom prst="rect">
             <a:avLst/>
@@ -3508,7 +3508,7 @@
     </p:spTree>
     <p:extLst>
       <p:ext uri="{BB962C8B-B14F-4D97-AF65-F5344CB8AC3E}">
-        <p14:creationId xmlns:p14="http://schemas.microsoft.com/office/powerpoint/2010/main" val="3269135443"/>
+        <p14:creationId xmlns:p14="http://schemas.microsoft.com/office/powerpoint/2010/main" val="3434356959"/>
       </p:ext>
     </p:extLst>
   </p:cSld>
